--- a/Project3/SystemIdentificationProject3.pptx
+++ b/Project3/SystemIdentificationProject3.pptx
@@ -310,6 +310,11 @@
       </a:defRPr>
     </a:lvl9pPr>
   </p:defaultTextStyle>
+  <p:extLst>
+    <p:ext uri="{EFAFB233-063F-42B5-8137-9DF3F51BA10A}">
+      <p15:sldGuideLst xmlns:p15="http://schemas.microsoft.com/office/powerpoint/2012/main"/>
+    </p:ext>
+  </p:extLst>
 </p:presentation>
 </file>
 
@@ -2141,7 +2146,7 @@
           </a:ln>
           <a:extLst>
             <a:ext uri="{C572A759-6A51-4108-AA02-DFA0A04FC94B}">
-              <ma14:wrappingTextBoxFlag xmlns:ma14="http://schemas.microsoft.com/office/mac/drawingml/2011/main" xmlns="" val="1"/>
+              <ma14:wrappingTextBoxFlag xmlns="" xmlns:ma14="http://schemas.microsoft.com/office/mac/drawingml/2011/main" val="1"/>
             </a:ext>
           </a:extLst>
         </p:spPr>
@@ -2180,7 +2185,7 @@
           </a:ln>
           <a:extLst>
             <a:ext uri="{C572A759-6A51-4108-AA02-DFA0A04FC94B}">
-              <ma14:wrappingTextBoxFlag xmlns:ma14="http://schemas.microsoft.com/office/mac/drawingml/2011/main" xmlns="" val="1"/>
+              <ma14:wrappingTextBoxFlag xmlns="" xmlns:ma14="http://schemas.microsoft.com/office/mac/drawingml/2011/main" val="1"/>
             </a:ext>
           </a:extLst>
         </p:spPr>
@@ -3240,6 +3245,24 @@
               <a:rPr dirty="0"/>
               <a:t>a: angular acceleration; M: mass; L: arm length.</a:t>
             </a:r>
+            <a:endParaRPr lang="en-US" dirty="0"/>
+          </a:p>
+          <a:p>
+            <a:pPr algn="l" defTabSz="502412">
+              <a:spcBef>
+                <a:spcPts val="2700"/>
+              </a:spcBef>
+              <a:defRPr sz="2064"/>
+            </a:pPr>
+            <a:r>
+              <a:rPr lang="en-US" b="1" dirty="0"/>
+              <a:t>Modelling</a:t>
+            </a:r>
+            <a:r>
+              <a:rPr lang="sv-SE" b="1" dirty="0"/>
+              <a:t>:</a:t>
+            </a:r>
+            <a:endParaRPr b="1" dirty="0"/>
           </a:p>
         </p:txBody>
       </p:sp>
@@ -3353,6 +3376,51 @@
           </a:p>
         </p:txBody>
       </p:sp>
+      <p:pic>
+        <p:nvPicPr>
+          <p:cNvPr id="1025" name="Picture 1" descr="page34image6001728">
+            <a:extLst>
+              <a:ext uri="{FF2B5EF4-FFF2-40B4-BE49-F238E27FC236}">
+                <a16:creationId xmlns:a16="http://schemas.microsoft.com/office/drawing/2014/main" id="{7285E9F3-BCD6-804E-B0FE-367FE1D755C4}"/>
+              </a:ext>
+            </a:extLst>
+          </p:cNvPr>
+          <p:cNvPicPr>
+            <a:picLocks noChangeAspect="1" noChangeArrowheads="1"/>
+          </p:cNvPicPr>
+          <p:nvPr/>
+        </p:nvPicPr>
+        <p:blipFill rotWithShape="1">
+          <a:blip r:embed="rId3">
+            <a:extLst>
+              <a:ext uri="{28A0092B-C50C-407E-A947-70E740481C1C}">
+                <a14:useLocalDpi xmlns:a14="http://schemas.microsoft.com/office/drawing/2010/main" val="0"/>
+              </a:ext>
+            </a:extLst>
+          </a:blip>
+          <a:srcRect t="261" r="30607" b="45871"/>
+          <a:stretch/>
+        </p:blipFill>
+        <p:spPr bwMode="auto">
+          <a:xfrm>
+            <a:off x="1269999" y="6819816"/>
+            <a:ext cx="7491846" cy="1596820"/>
+          </a:xfrm>
+          <a:prstGeom prst="rect">
+            <a:avLst/>
+          </a:prstGeom>
+          <a:noFill/>
+          <a:extLst>
+            <a:ext uri="{909E8E84-426E-40DD-AFC4-6F175D3DCCD1}">
+              <a14:hiddenFill xmlns:a14="http://schemas.microsoft.com/office/drawing/2010/main">
+                <a:solidFill>
+                  <a:srgbClr val="FFFFFF"/>
+                </a:solidFill>
+              </a14:hiddenFill>
+            </a:ext>
+          </a:extLst>
+        </p:spPr>
+      </p:pic>
     </p:spTree>
   </p:cSld>
   <p:clrMapOvr>

--- a/Project3/SystemIdentificationProject3.pptx
+++ b/Project3/SystemIdentificationProject3.pptx
@@ -395,6 +395,11 @@
         </p:txBody>
       </p:sp>
     </p:spTree>
+    <p:extLst>
+      <p:ext uri="{BB962C8B-B14F-4D97-AF65-F5344CB8AC3E}">
+        <p14:creationId xmlns:p14="http://schemas.microsoft.com/office/powerpoint/2010/main" val="2092690704"/>
+      </p:ext>
+    </p:extLst>
   </p:cSld>
   <p:clrMap bg1="lt1" tx1="dk1" bg2="lt2" tx2="dk2" accent1="accent1" accent2="accent2" accent3="accent3" accent4="accent4" accent5="accent5" accent6="accent6" hlink="hlink" folHlink="folHlink"/>
   <p:notesStyle>
@@ -2146,7 +2151,7 @@
           </a:ln>
           <a:extLst>
             <a:ext uri="{C572A759-6A51-4108-AA02-DFA0A04FC94B}">
-              <ma14:wrappingTextBoxFlag xmlns="" xmlns:ma14="http://schemas.microsoft.com/office/mac/drawingml/2011/main" val="1"/>
+              <ma14:wrappingTextBoxFlag xmlns:ma14="http://schemas.microsoft.com/office/mac/drawingml/2011/main" xmlns="" val="1"/>
             </a:ext>
           </a:extLst>
         </p:spPr>
@@ -2185,7 +2190,7 @@
           </a:ln>
           <a:extLst>
             <a:ext uri="{C572A759-6A51-4108-AA02-DFA0A04FC94B}">
-              <ma14:wrappingTextBoxFlag xmlns="" xmlns:ma14="http://schemas.microsoft.com/office/mac/drawingml/2011/main" val="1"/>
+              <ma14:wrappingTextBoxFlag xmlns:ma14="http://schemas.microsoft.com/office/mac/drawingml/2011/main" xmlns="" val="1"/>
             </a:ext>
           </a:extLst>
         </p:spPr>
@@ -3300,7 +3305,7 @@
           <p:cNvPr id="3" name="Rectangle 2">
             <a:extLst>
               <a:ext uri="{FF2B5EF4-FFF2-40B4-BE49-F238E27FC236}">
-                <a16:creationId xmlns:a16="http://schemas.microsoft.com/office/drawing/2014/main" id="{DD41603F-C407-1C4B-B43D-1D900164576D}"/>
+                <a16:creationId xmlns:a16="http://schemas.microsoft.com/office/drawing/2014/main" xmlns="" id="{DD41603F-C407-1C4B-B43D-1D900164576D}"/>
               </a:ext>
             </a:extLst>
           </p:cNvPr>
@@ -3381,7 +3386,7 @@
           <p:cNvPr id="1025" name="Picture 1" descr="page34image6001728">
             <a:extLst>
               <a:ext uri="{FF2B5EF4-FFF2-40B4-BE49-F238E27FC236}">
-                <a16:creationId xmlns:a16="http://schemas.microsoft.com/office/drawing/2014/main" id="{7285E9F3-BCD6-804E-B0FE-367FE1D755C4}"/>
+                <a16:creationId xmlns:a16="http://schemas.microsoft.com/office/drawing/2014/main" xmlns="" id="{7285E9F3-BCD6-804E-B0FE-367FE1D755C4}"/>
               </a:ext>
             </a:extLst>
           </p:cNvPr>
@@ -3391,7 +3396,7 @@
           <p:nvPr/>
         </p:nvPicPr>
         <p:blipFill rotWithShape="1">
-          <a:blip r:embed="rId3">
+          <a:blip r:embed="rId3" cstate="print">
             <a:extLst>
               <a:ext uri="{28A0092B-C50C-407E-A947-70E740481C1C}">
                 <a14:useLocalDpi xmlns:a14="http://schemas.microsoft.com/office/drawing/2010/main" val="0"/>

--- a/Project3/SystemIdentificationProject3.pptx
+++ b/Project3/SystemIdentificationProject3.pptx
@@ -2151,7 +2151,7 @@
           </a:ln>
           <a:extLst>
             <a:ext uri="{C572A759-6A51-4108-AA02-DFA0A04FC94B}">
-              <ma14:wrappingTextBoxFlag xmlns:ma14="http://schemas.microsoft.com/office/mac/drawingml/2011/main" xmlns="" val="1"/>
+              <ma14:wrappingTextBoxFlag xmlns="" xmlns:ma14="http://schemas.microsoft.com/office/mac/drawingml/2011/main" val="1"/>
             </a:ext>
           </a:extLst>
         </p:spPr>
@@ -2190,7 +2190,7 @@
           </a:ln>
           <a:extLst>
             <a:ext uri="{C572A759-6A51-4108-AA02-DFA0A04FC94B}">
-              <ma14:wrappingTextBoxFlag xmlns:ma14="http://schemas.microsoft.com/office/mac/drawingml/2011/main" xmlns="" val="1"/>
+              <ma14:wrappingTextBoxFlag xmlns="" xmlns:ma14="http://schemas.microsoft.com/office/mac/drawingml/2011/main" val="1"/>
             </a:ext>
           </a:extLst>
         </p:spPr>
@@ -3228,15 +3228,27 @@
             </a:r>
             <a:r>
               <a:rPr dirty="0"/>
-              <a:t> T = a*m*L</a:t>
-            </a:r>
-            <a:r>
-              <a:rPr baseline="31999" dirty="0"/>
+              <a:t> T </a:t>
+            </a:r>
+            <a:r>
+              <a:rPr/>
+              <a:t>= </a:t>
+            </a:r>
+            <a:r>
+              <a:rPr smtClean="0"/>
+              <a:t>a*m*L</a:t>
+            </a:r>
+            <a:r>
+              <a:rPr baseline="31999" smtClean="0"/>
               <a:t>2</a:t>
             </a:r>
             <a:r>
+              <a:rPr smtClean="0"/>
+              <a:t>/2</a:t>
+            </a:r>
+            <a:r>
               <a:rPr dirty="0"/>
-              <a:t>/12.</a:t>
+              <a:t>.</a:t>
             </a:r>
           </a:p>
           <a:p>
@@ -3305,7 +3317,7 @@
           <p:cNvPr id="3" name="Rectangle 2">
             <a:extLst>
               <a:ext uri="{FF2B5EF4-FFF2-40B4-BE49-F238E27FC236}">
-                <a16:creationId xmlns:a16="http://schemas.microsoft.com/office/drawing/2014/main" xmlns="" id="{DD41603F-C407-1C4B-B43D-1D900164576D}"/>
+                <a16:creationId xmlns="" xmlns:a16="http://schemas.microsoft.com/office/drawing/2014/main" id="{DD41603F-C407-1C4B-B43D-1D900164576D}"/>
               </a:ext>
             </a:extLst>
           </p:cNvPr>
@@ -3386,7 +3398,7 @@
           <p:cNvPr id="1025" name="Picture 1" descr="page34image6001728">
             <a:extLst>
               <a:ext uri="{FF2B5EF4-FFF2-40B4-BE49-F238E27FC236}">
-                <a16:creationId xmlns:a16="http://schemas.microsoft.com/office/drawing/2014/main" xmlns="" id="{7285E9F3-BCD6-804E-B0FE-367FE1D755C4}"/>
+                <a16:creationId xmlns="" xmlns:a16="http://schemas.microsoft.com/office/drawing/2014/main" id="{7285E9F3-BCD6-804E-B0FE-367FE1D755C4}"/>
               </a:ext>
             </a:extLst>
           </p:cNvPr>

--- a/Project3/SystemIdentificationProject3.pptx
+++ b/Project3/SystemIdentificationProject3.pptx
@@ -2151,7 +2151,7 @@
           </a:ln>
           <a:extLst>
             <a:ext uri="{C572A759-6A51-4108-AA02-DFA0A04FC94B}">
-              <ma14:wrappingTextBoxFlag xmlns="" xmlns:ma14="http://schemas.microsoft.com/office/mac/drawingml/2011/main" val="1"/>
+              <ma14:wrappingTextBoxFlag xmlns:ma14="http://schemas.microsoft.com/office/mac/drawingml/2011/main" xmlns="" val="1"/>
             </a:ext>
           </a:extLst>
         </p:spPr>
@@ -2190,7 +2190,7 @@
           </a:ln>
           <a:extLst>
             <a:ext uri="{C572A759-6A51-4108-AA02-DFA0A04FC94B}">
-              <ma14:wrappingTextBoxFlag xmlns="" xmlns:ma14="http://schemas.microsoft.com/office/mac/drawingml/2011/main" val="1"/>
+              <ma14:wrappingTextBoxFlag xmlns:ma14="http://schemas.microsoft.com/office/mac/drawingml/2011/main" xmlns="" val="1"/>
             </a:ext>
           </a:extLst>
         </p:spPr>
@@ -3228,22 +3228,18 @@
             </a:r>
             <a:r>
               <a:rPr dirty="0"/>
-              <a:t> T </a:t>
-            </a:r>
-            <a:r>
-              <a:rPr/>
-              <a:t>= </a:t>
-            </a:r>
-            <a:r>
-              <a:rPr smtClean="0"/>
+              <a:t> T = </a:t>
+            </a:r>
+            <a:r>
+              <a:rPr dirty="0" smtClean="0"/>
               <a:t>a*m*L</a:t>
             </a:r>
             <a:r>
-              <a:rPr baseline="31999" smtClean="0"/>
+              <a:rPr baseline="31999" dirty="0" smtClean="0"/>
               <a:t>2</a:t>
             </a:r>
             <a:r>
-              <a:rPr smtClean="0"/>
+              <a:rPr dirty="0" smtClean="0"/>
               <a:t>/2</a:t>
             </a:r>
             <a:r>
@@ -3260,7 +3256,19 @@
             </a:pPr>
             <a:r>
               <a:rPr dirty="0"/>
-              <a:t>a: angular acceleration; M: mass; L: arm length.</a:t>
+              <a:t>a: angular acceleration; </a:t>
+            </a:r>
+            <a:r>
+              <a:rPr lang="sv-SE" smtClean="0"/>
+              <a:t>m</a:t>
+            </a:r>
+            <a:r>
+              <a:rPr smtClean="0"/>
+              <a:t>: </a:t>
+            </a:r>
+            <a:r>
+              <a:rPr dirty="0"/>
+              <a:t>mass; L: arm length.</a:t>
             </a:r>
             <a:endParaRPr lang="en-US" dirty="0"/>
           </a:p>
@@ -3317,7 +3325,7 @@
           <p:cNvPr id="3" name="Rectangle 2">
             <a:extLst>
               <a:ext uri="{FF2B5EF4-FFF2-40B4-BE49-F238E27FC236}">
-                <a16:creationId xmlns="" xmlns:a16="http://schemas.microsoft.com/office/drawing/2014/main" id="{DD41603F-C407-1C4B-B43D-1D900164576D}"/>
+                <a16:creationId xmlns:a16="http://schemas.microsoft.com/office/drawing/2014/main" xmlns="" id="{DD41603F-C407-1C4B-B43D-1D900164576D}"/>
               </a:ext>
             </a:extLst>
           </p:cNvPr>
@@ -3398,7 +3406,7 @@
           <p:cNvPr id="1025" name="Picture 1" descr="page34image6001728">
             <a:extLst>
               <a:ext uri="{FF2B5EF4-FFF2-40B4-BE49-F238E27FC236}">
-                <a16:creationId xmlns="" xmlns:a16="http://schemas.microsoft.com/office/drawing/2014/main" id="{7285E9F3-BCD6-804E-B0FE-367FE1D755C4}"/>
+                <a16:creationId xmlns:a16="http://schemas.microsoft.com/office/drawing/2014/main" xmlns="" id="{7285E9F3-BCD6-804E-B0FE-367FE1D755C4}"/>
               </a:ext>
             </a:extLst>
           </p:cNvPr>
